--- a/slides/05-coordinated-multiple-views.pptx
+++ b/slides/05-coordinated-multiple-views.pptx
@@ -210,7 +210,7 @@
           <a:p>
             <a:fld id="{3CBB8A52-8AC5-C74C-97FB-632C448F3674}" type="datetimeFigureOut">
               <a:rPr lang="en-US" smtClean="0"/>
-              <a:t>8/26/24</a:t>
+              <a:t>9/16/24</a:t>
             </a:fld>
             <a:endParaRPr lang="en-US"/>
           </a:p>
@@ -1638,7 +1638,7 @@
             <a:fld id="{5586B75A-687E-405C-8A0B-8D00578BA2C3}" type="datetimeFigureOut">
               <a:rPr lang="en-US" smtClean="0"/>
               <a:pPr/>
-              <a:t>8/26/24</a:t>
+              <a:t>9/16/24</a:t>
             </a:fld>
             <a:endParaRPr lang="en-US" dirty="0"/>
           </a:p>
@@ -1810,7 +1810,7 @@
             <a:fld id="{5586B75A-687E-405C-8A0B-8D00578BA2C3}" type="datetimeFigureOut">
               <a:rPr lang="en-US" smtClean="0"/>
               <a:pPr/>
-              <a:t>8/26/24</a:t>
+              <a:t>9/16/24</a:t>
             </a:fld>
             <a:endParaRPr lang="en-US" dirty="0"/>
           </a:p>
@@ -1992,7 +1992,7 @@
             <a:fld id="{5586B75A-687E-405C-8A0B-8D00578BA2C3}" type="datetimeFigureOut">
               <a:rPr lang="en-US" smtClean="0"/>
               <a:pPr/>
-              <a:t>8/26/24</a:t>
+              <a:t>9/16/24</a:t>
             </a:fld>
             <a:endParaRPr lang="en-US" dirty="0"/>
           </a:p>
@@ -2164,7 +2164,7 @@
             <a:fld id="{5586B75A-687E-405C-8A0B-8D00578BA2C3}" type="datetimeFigureOut">
               <a:rPr lang="en-US" smtClean="0"/>
               <a:pPr/>
-              <a:t>8/26/24</a:t>
+              <a:t>9/16/24</a:t>
             </a:fld>
             <a:endParaRPr lang="en-US" dirty="0"/>
           </a:p>
@@ -2420,7 +2420,7 @@
             <a:fld id="{5586B75A-687E-405C-8A0B-8D00578BA2C3}" type="datetimeFigureOut">
               <a:rPr lang="en-US" smtClean="0"/>
               <a:pPr/>
-              <a:t>8/26/24</a:t>
+              <a:t>9/16/24</a:t>
             </a:fld>
             <a:endParaRPr lang="en-US" dirty="0"/>
           </a:p>
@@ -2710,7 +2710,7 @@
             <a:fld id="{5586B75A-687E-405C-8A0B-8D00578BA2C3}" type="datetimeFigureOut">
               <a:rPr lang="en-US" smtClean="0"/>
               <a:pPr/>
-              <a:t>8/26/24</a:t>
+              <a:t>9/16/24</a:t>
             </a:fld>
             <a:endParaRPr lang="en-US" dirty="0"/>
           </a:p>
@@ -3154,7 +3154,7 @@
             <a:fld id="{5586B75A-687E-405C-8A0B-8D00578BA2C3}" type="datetimeFigureOut">
               <a:rPr lang="en-US" smtClean="0"/>
               <a:pPr/>
-              <a:t>8/26/24</a:t>
+              <a:t>9/16/24</a:t>
             </a:fld>
             <a:endParaRPr lang="en-US" dirty="0"/>
           </a:p>
@@ -3274,7 +3274,7 @@
             <a:fld id="{5586B75A-687E-405C-8A0B-8D00578BA2C3}" type="datetimeFigureOut">
               <a:rPr lang="en-US" smtClean="0"/>
               <a:pPr/>
-              <a:t>8/26/24</a:t>
+              <a:t>9/16/24</a:t>
             </a:fld>
             <a:endParaRPr lang="en-US" dirty="0"/>
           </a:p>
@@ -3371,7 +3371,7 @@
             <a:fld id="{5586B75A-687E-405C-8A0B-8D00578BA2C3}" type="datetimeFigureOut">
               <a:rPr lang="en-US" smtClean="0"/>
               <a:pPr/>
-              <a:t>8/26/24</a:t>
+              <a:t>9/16/24</a:t>
             </a:fld>
             <a:endParaRPr lang="en-US" dirty="0"/>
           </a:p>
@@ -3661,7 +3661,7 @@
             <a:fld id="{5586B75A-687E-405C-8A0B-8D00578BA2C3}" type="datetimeFigureOut">
               <a:rPr lang="en-US" smtClean="0"/>
               <a:pPr/>
-              <a:t>8/26/24</a:t>
+              <a:t>9/16/24</a:t>
             </a:fld>
             <a:endParaRPr lang="en-US" dirty="0"/>
           </a:p>
@@ -3936,7 +3936,7 @@
             <a:fld id="{5586B75A-687E-405C-8A0B-8D00578BA2C3}" type="datetimeFigureOut">
               <a:rPr lang="en-US" smtClean="0"/>
               <a:pPr/>
-              <a:t>8/26/24</a:t>
+              <a:t>9/16/24</a:t>
             </a:fld>
             <a:endParaRPr lang="en-US" dirty="0"/>
           </a:p>
@@ -4235,7 +4235,7 @@
             <a:fld id="{5586B75A-687E-405C-8A0B-8D00578BA2C3}" type="datetimeFigureOut">
               <a:rPr lang="en-US" smtClean="0"/>
               <a:pPr/>
-              <a:t>8/26/24</a:t>
+              <a:t>9/16/24</a:t>
             </a:fld>
             <a:endParaRPr lang="en-US" dirty="0"/>
           </a:p>
@@ -7370,7 +7370,7 @@
             </a:pPr>
             <a:r>
               <a:rPr lang="en-US" spc="-115" dirty="0"/>
-              <a:t>Lab</a:t>
+              <a:t>Practice</a:t>
             </a:r>
             <a:endParaRPr spc="-88" dirty="0"/>
           </a:p>
